--- a/Documents/Powerpoints/10.0 ASP.NET.pptx
+++ b/Documents/Powerpoints/10.0 ASP.NET.pptx
@@ -5,21 +5,24 @@
     <p:sldMasterId id="2147483666" r:id="rId1"/>
   </p:sldMasterIdLst>
   <p:notesMasterIdLst>
-    <p:notesMasterId r:id="rId7"/>
+    <p:notesMasterId r:id="rId10"/>
   </p:notesMasterIdLst>
   <p:sldIdLst>
     <p:sldId id="256" r:id="rId2"/>
     <p:sldId id="289" r:id="rId3"/>
     <p:sldId id="290" r:id="rId4"/>
-    <p:sldId id="287" r:id="rId5"/>
-    <p:sldId id="288" r:id="rId6"/>
+    <p:sldId id="291" r:id="rId5"/>
+    <p:sldId id="292" r:id="rId6"/>
+    <p:sldId id="293" r:id="rId7"/>
+    <p:sldId id="287" r:id="rId8"/>
+    <p:sldId id="288" r:id="rId9"/>
   </p:sldIdLst>
   <p:sldSz cx="9144000" cy="5143500" type="screen16x9"/>
   <p:notesSz cx="6858000" cy="9144000"/>
   <p:embeddedFontLst>
     <p:embeddedFont>
       <p:font typeface="Lustria" panose="020B0604020202020204" charset="0"/>
-      <p:regular r:id="rId8"/>
+      <p:regular r:id="rId11"/>
     </p:embeddedFont>
   </p:embeddedFontLst>
   <p:defaultTextStyle>
@@ -20776,15 +20779,7 @@
           <a:p>
             <a:r>
               <a:rPr lang="en-US" dirty="0"/>
-              <a:t>Defines the content on the page, including interface elements such as buttons, lists, tables, </a:t>
-            </a:r>
-            <a:r>
-              <a:rPr lang="en-US"/>
-              <a:t>images, text</a:t>
-            </a:r>
-            <a:r>
-              <a:rPr lang="en-US" dirty="0"/>
-              <a:t>, etc.</a:t>
+              <a:t>Defines the content on the page, including interface elements such as buttons, lists, tables, images, text, etc.</a:t>
             </a:r>
           </a:p>
           <a:p>
@@ -20806,6 +20801,297 @@
 </file>
 
 <file path=ppt/slides/slide4.xml><?xml version="1.0" encoding="utf-8"?>
+<p:sld xmlns:a="http://schemas.openxmlformats.org/drawingml/2006/main" xmlns:r="http://schemas.openxmlformats.org/officeDocument/2006/relationships" xmlns:p="http://schemas.openxmlformats.org/presentationml/2006/main">
+  <p:cSld>
+    <p:spTree>
+      <p:nvGrpSpPr>
+        <p:cNvPr id="1" name=""/>
+        <p:cNvGrpSpPr/>
+        <p:nvPr/>
+      </p:nvGrpSpPr>
+      <p:grpSpPr>
+        <a:xfrm>
+          <a:off x="0" y="0"/>
+          <a:ext cx="0" cy="0"/>
+          <a:chOff x="0" y="0"/>
+          <a:chExt cx="0" cy="0"/>
+        </a:xfrm>
+      </p:grpSpPr>
+      <p:sp>
+        <p:nvSpPr>
+          <p:cNvPr id="2" name="Title 1">
+            <a:extLst>
+              <a:ext uri="{FF2B5EF4-FFF2-40B4-BE49-F238E27FC236}">
+                <a16:creationId xmlns:a16="http://schemas.microsoft.com/office/drawing/2014/main" id="{BBD5A9F5-D3F4-43A3-BAD7-147F5DB694D5}"/>
+              </a:ext>
+            </a:extLst>
+          </p:cNvPr>
+          <p:cNvSpPr>
+            <a:spLocks noGrp="1"/>
+          </p:cNvSpPr>
+          <p:nvPr>
+            <p:ph type="title"/>
+          </p:nvPr>
+        </p:nvSpPr>
+        <p:spPr/>
+        <p:txBody>
+          <a:bodyPr/>
+          <a:lstStyle/>
+          <a:p>
+            <a:r>
+              <a:rPr lang="en-US" dirty="0"/>
+              <a:t>CSS</a:t>
+            </a:r>
+          </a:p>
+        </p:txBody>
+      </p:sp>
+      <p:sp>
+        <p:nvSpPr>
+          <p:cNvPr id="3" name="Text Placeholder 2">
+            <a:extLst>
+              <a:ext uri="{FF2B5EF4-FFF2-40B4-BE49-F238E27FC236}">
+                <a16:creationId xmlns:a16="http://schemas.microsoft.com/office/drawing/2014/main" id="{CEEC2CDD-421E-423B-A810-BCE9B3B14963}"/>
+              </a:ext>
+            </a:extLst>
+          </p:cNvPr>
+          <p:cNvSpPr>
+            <a:spLocks noGrp="1"/>
+          </p:cNvSpPr>
+          <p:nvPr>
+            <p:ph type="body" idx="1"/>
+          </p:nvPr>
+        </p:nvSpPr>
+        <p:spPr/>
+        <p:txBody>
+          <a:bodyPr/>
+          <a:lstStyle/>
+          <a:p>
+            <a:r>
+              <a:rPr lang="en-US" dirty="0"/>
+              <a:t>While the HTML provides the content, CSS organizes that content in an appropriate manor. </a:t>
+            </a:r>
+          </a:p>
+          <a:p>
+            <a:r>
+              <a:rPr lang="en-US" dirty="0"/>
+              <a:t>Can manage styles for multiple different window widths.</a:t>
+            </a:r>
+          </a:p>
+          <a:p>
+            <a:endParaRPr lang="en-US" dirty="0"/>
+          </a:p>
+        </p:txBody>
+      </p:sp>
+    </p:spTree>
+    <p:extLst>
+      <p:ext uri="{BB962C8B-B14F-4D97-AF65-F5344CB8AC3E}">
+        <p14:creationId xmlns:p14="http://schemas.microsoft.com/office/powerpoint/2010/main" val="4121880566"/>
+      </p:ext>
+    </p:extLst>
+  </p:cSld>
+  <p:clrMapOvr>
+    <a:masterClrMapping/>
+  </p:clrMapOvr>
+</p:sld>
+</file>
+
+<file path=ppt/slides/slide5.xml><?xml version="1.0" encoding="utf-8"?>
+<p:sld xmlns:a="http://schemas.openxmlformats.org/drawingml/2006/main" xmlns:r="http://schemas.openxmlformats.org/officeDocument/2006/relationships" xmlns:p="http://schemas.openxmlformats.org/presentationml/2006/main">
+  <p:cSld>
+    <p:spTree>
+      <p:nvGrpSpPr>
+        <p:cNvPr id="1" name=""/>
+        <p:cNvGrpSpPr/>
+        <p:nvPr/>
+      </p:nvGrpSpPr>
+      <p:grpSpPr>
+        <a:xfrm>
+          <a:off x="0" y="0"/>
+          <a:ext cx="0" cy="0"/>
+          <a:chOff x="0" y="0"/>
+          <a:chExt cx="0" cy="0"/>
+        </a:xfrm>
+      </p:grpSpPr>
+      <p:sp>
+        <p:nvSpPr>
+          <p:cNvPr id="2" name="Title 1">
+            <a:extLst>
+              <a:ext uri="{FF2B5EF4-FFF2-40B4-BE49-F238E27FC236}">
+                <a16:creationId xmlns:a16="http://schemas.microsoft.com/office/drawing/2014/main" id="{E12B8561-B8BC-4F59-A0D5-2434C1AFA3E0}"/>
+              </a:ext>
+            </a:extLst>
+          </p:cNvPr>
+          <p:cNvSpPr>
+            <a:spLocks noGrp="1"/>
+          </p:cNvSpPr>
+          <p:nvPr>
+            <p:ph type="title"/>
+          </p:nvPr>
+        </p:nvSpPr>
+        <p:spPr/>
+        <p:txBody>
+          <a:bodyPr/>
+          <a:lstStyle/>
+          <a:p>
+            <a:r>
+              <a:rPr lang="en-US" dirty="0"/>
+              <a:t>HTML + CSS</a:t>
+            </a:r>
+          </a:p>
+        </p:txBody>
+      </p:sp>
+      <p:sp>
+        <p:nvSpPr>
+          <p:cNvPr id="3" name="Text Placeholder 2">
+            <a:extLst>
+              <a:ext uri="{FF2B5EF4-FFF2-40B4-BE49-F238E27FC236}">
+                <a16:creationId xmlns:a16="http://schemas.microsoft.com/office/drawing/2014/main" id="{F92EDE85-C03F-4EE3-BF96-E2EDADADBF19}"/>
+              </a:ext>
+            </a:extLst>
+          </p:cNvPr>
+          <p:cNvSpPr>
+            <a:spLocks noGrp="1"/>
+          </p:cNvSpPr>
+          <p:nvPr>
+            <p:ph type="body" idx="1"/>
+          </p:nvPr>
+        </p:nvSpPr>
+        <p:spPr/>
+        <p:txBody>
+          <a:bodyPr/>
+          <a:lstStyle/>
+          <a:p>
+            <a:r>
+              <a:rPr lang="en-US" dirty="0"/>
+              <a:t>Without the both of these combined, you can’t have a decent looking web page.</a:t>
+            </a:r>
+          </a:p>
+          <a:p>
+            <a:r>
+              <a:rPr lang="en-US" dirty="0"/>
+              <a:t>HTML needs CSS</a:t>
+            </a:r>
+          </a:p>
+          <a:p>
+            <a:r>
+              <a:rPr lang="en-US" dirty="0"/>
+              <a:t>CSS needs HTML</a:t>
+            </a:r>
+          </a:p>
+        </p:txBody>
+      </p:sp>
+    </p:spTree>
+    <p:extLst>
+      <p:ext uri="{BB962C8B-B14F-4D97-AF65-F5344CB8AC3E}">
+        <p14:creationId xmlns:p14="http://schemas.microsoft.com/office/powerpoint/2010/main" val="1656944604"/>
+      </p:ext>
+    </p:extLst>
+  </p:cSld>
+  <p:clrMapOvr>
+    <a:masterClrMapping/>
+  </p:clrMapOvr>
+</p:sld>
+</file>
+
+<file path=ppt/slides/slide6.xml><?xml version="1.0" encoding="utf-8"?>
+<p:sld xmlns:a="http://schemas.openxmlformats.org/drawingml/2006/main" xmlns:r="http://schemas.openxmlformats.org/officeDocument/2006/relationships" xmlns:p="http://schemas.openxmlformats.org/presentationml/2006/main">
+  <p:cSld>
+    <p:spTree>
+      <p:nvGrpSpPr>
+        <p:cNvPr id="1" name=""/>
+        <p:cNvGrpSpPr/>
+        <p:nvPr/>
+      </p:nvGrpSpPr>
+      <p:grpSpPr>
+        <a:xfrm>
+          <a:off x="0" y="0"/>
+          <a:ext cx="0" cy="0"/>
+          <a:chOff x="0" y="0"/>
+          <a:chExt cx="0" cy="0"/>
+        </a:xfrm>
+      </p:grpSpPr>
+      <p:sp>
+        <p:nvSpPr>
+          <p:cNvPr id="2" name="Title 1">
+            <a:extLst>
+              <a:ext uri="{FF2B5EF4-FFF2-40B4-BE49-F238E27FC236}">
+                <a16:creationId xmlns:a16="http://schemas.microsoft.com/office/drawing/2014/main" id="{18A3472B-E43A-4BEF-BBE0-2F7E9584FA55}"/>
+              </a:ext>
+            </a:extLst>
+          </p:cNvPr>
+          <p:cNvSpPr>
+            <a:spLocks noGrp="1"/>
+          </p:cNvSpPr>
+          <p:nvPr>
+            <p:ph type="title"/>
+          </p:nvPr>
+        </p:nvSpPr>
+        <p:spPr/>
+        <p:txBody>
+          <a:bodyPr/>
+          <a:lstStyle/>
+          <a:p>
+            <a:r>
+              <a:rPr lang="en-US" dirty="0"/>
+              <a:t>JS</a:t>
+            </a:r>
+          </a:p>
+        </p:txBody>
+      </p:sp>
+      <p:sp>
+        <p:nvSpPr>
+          <p:cNvPr id="3" name="Text Placeholder 2">
+            <a:extLst>
+              <a:ext uri="{FF2B5EF4-FFF2-40B4-BE49-F238E27FC236}">
+                <a16:creationId xmlns:a16="http://schemas.microsoft.com/office/drawing/2014/main" id="{A8CACD8B-E380-4158-A505-C521E56BD1B4}"/>
+              </a:ext>
+            </a:extLst>
+          </p:cNvPr>
+          <p:cNvSpPr>
+            <a:spLocks noGrp="1"/>
+          </p:cNvSpPr>
+          <p:nvPr>
+            <p:ph type="body" idx="1"/>
+          </p:nvPr>
+        </p:nvSpPr>
+        <p:spPr/>
+        <p:txBody>
+          <a:bodyPr/>
+          <a:lstStyle/>
+          <a:p>
+            <a:r>
+              <a:rPr lang="en-US" dirty="0"/>
+              <a:t>JS can do a lot…</a:t>
+            </a:r>
+          </a:p>
+          <a:p>
+            <a:r>
+              <a:rPr lang="en-US" dirty="0"/>
+              <a:t>Anything dynamic on the page is generally done via JS.</a:t>
+            </a:r>
+          </a:p>
+          <a:p>
+            <a:r>
+              <a:rPr lang="en-US" dirty="0"/>
+              <a:t>Object oriented, similar to C#.</a:t>
+            </a:r>
+          </a:p>
+        </p:txBody>
+      </p:sp>
+    </p:spTree>
+    <p:extLst>
+      <p:ext uri="{BB962C8B-B14F-4D97-AF65-F5344CB8AC3E}">
+        <p14:creationId xmlns:p14="http://schemas.microsoft.com/office/powerpoint/2010/main" val="1129646016"/>
+      </p:ext>
+    </p:extLst>
+  </p:cSld>
+  <p:clrMapOvr>
+    <a:masterClrMapping/>
+  </p:clrMapOvr>
+</p:sld>
+</file>
+
+<file path=ppt/slides/slide7.xml><?xml version="1.0" encoding="utf-8"?>
 <p:sld xmlns:a="http://schemas.openxmlformats.org/drawingml/2006/main" xmlns:r="http://schemas.openxmlformats.org/officeDocument/2006/relationships" xmlns:p="http://schemas.openxmlformats.org/presentationml/2006/main">
   <p:cSld>
     <p:spTree>
@@ -20942,7 +21228,7 @@
 </p:sld>
 </file>
 
-<file path=ppt/slides/slide5.xml><?xml version="1.0" encoding="utf-8"?>
+<file path=ppt/slides/slide8.xml><?xml version="1.0" encoding="utf-8"?>
 <p:sld xmlns:a="http://schemas.openxmlformats.org/drawingml/2006/main" xmlns:r="http://schemas.openxmlformats.org/officeDocument/2006/relationships" xmlns:p="http://schemas.openxmlformats.org/presentationml/2006/main">
   <p:cSld>
     <p:spTree>
